--- a/ProyectoFinal.pptx
+++ b/ProyectoFinal.pptx
@@ -8,14 +8,15 @@
     <p:sldId id="256" r:id="rId2"/>
     <p:sldId id="262" r:id="rId3"/>
     <p:sldId id="267" r:id="rId4"/>
-    <p:sldId id="263" r:id="rId5"/>
-    <p:sldId id="265" r:id="rId6"/>
-    <p:sldId id="266" r:id="rId7"/>
-    <p:sldId id="258" r:id="rId8"/>
-    <p:sldId id="259" r:id="rId9"/>
-    <p:sldId id="260" r:id="rId10"/>
-    <p:sldId id="268" r:id="rId11"/>
-    <p:sldId id="261" r:id="rId12"/>
+    <p:sldId id="269" r:id="rId5"/>
+    <p:sldId id="263" r:id="rId6"/>
+    <p:sldId id="265" r:id="rId7"/>
+    <p:sldId id="266" r:id="rId8"/>
+    <p:sldId id="258" r:id="rId9"/>
+    <p:sldId id="259" r:id="rId10"/>
+    <p:sldId id="260" r:id="rId11"/>
+    <p:sldId id="268" r:id="rId12"/>
+    <p:sldId id="261" r:id="rId13"/>
   </p:sldIdLst>
   <p:sldSz cx="12192000" cy="6858000"/>
   <p:notesSz cx="6858000" cy="9144000"/>
@@ -114,6 +115,11 @@
       </a:defRPr>
     </a:lvl9pPr>
   </p:defaultTextStyle>
+  <p:extLst>
+    <p:ext uri="{EFAFB233-063F-42B5-8137-9DF3F51BA10A}">
+      <p15:sldGuideLst xmlns:p15="http://schemas.microsoft.com/office/powerpoint/2012/main"/>
+    </p:ext>
+  </p:extLst>
 </p:presentation>
 </file>
 
@@ -2802,7 +2808,7 @@
           <a:p>
             <a:fld id="{78ABE3C1-DBE1-495D-B57B-2849774B866A}" type="datetimeFigureOut">
               <a:rPr lang="en-US" dirty="0"/>
-              <a:t>1/19/2020</a:t>
+              <a:t>1/27/2020</a:t>
             </a:fld>
             <a:endParaRPr lang="en-US" dirty="0"/>
           </a:p>
@@ -3211,7 +3217,7 @@
           <a:p>
             <a:fld id="{446C117F-5CCF-4837-BE5F-2B92066CAFAF}" type="datetimeFigureOut">
               <a:rPr lang="en-US" dirty="0"/>
-              <a:t>1/19/2020</a:t>
+              <a:t>1/27/2020</a:t>
             </a:fld>
             <a:endParaRPr lang="en-US" dirty="0"/>
           </a:p>
@@ -3542,7 +3548,7 @@
           <a:p>
             <a:fld id="{84EB90BD-B6CE-46B7-997F-7313B992CCDC}" type="datetimeFigureOut">
               <a:rPr lang="en-US" dirty="0"/>
-              <a:t>1/19/2020</a:t>
+              <a:t>1/27/2020</a:t>
             </a:fld>
             <a:endParaRPr lang="en-US" dirty="0"/>
           </a:p>
@@ -3942,7 +3948,7 @@
           <a:p>
             <a:fld id="{CDB9D11F-B188-461D-B23F-39381795C052}" type="datetimeFigureOut">
               <a:rPr lang="en-US" dirty="0"/>
-              <a:t>1/19/2020</a:t>
+              <a:t>1/27/2020</a:t>
             </a:fld>
             <a:endParaRPr lang="en-US" dirty="0"/>
           </a:p>
@@ -4505,7 +4511,7 @@
           <a:p>
             <a:fld id="{52E6D8D9-55A2-4063-B0F3-121F44549695}" type="datetimeFigureOut">
               <a:rPr lang="en-US" dirty="0"/>
-              <a:t>1/19/2020</a:t>
+              <a:t>1/27/2020</a:t>
             </a:fld>
             <a:endParaRPr lang="en-US" dirty="0"/>
           </a:p>
@@ -5181,7 +5187,7 @@
           <a:p>
             <a:fld id="{D4B24536-994D-4021-A283-9F449C0DB509}" type="datetimeFigureOut">
               <a:rPr lang="en-US" dirty="0"/>
-              <a:t>1/19/2020</a:t>
+              <a:t>1/27/2020</a:t>
             </a:fld>
             <a:endParaRPr lang="en-US" dirty="0"/>
           </a:p>
@@ -6089,7 +6095,7 @@
           <a:p>
             <a:fld id="{3CBBBB78-C96F-47B7-AB17-D852CA960AC9}" type="datetimeFigureOut">
               <a:rPr lang="en-US" dirty="0"/>
-              <a:t>1/19/2020</a:t>
+              <a:t>1/27/2020</a:t>
             </a:fld>
             <a:endParaRPr lang="en-US" dirty="0"/>
           </a:p>
@@ -6397,7 +6403,7 @@
           <a:p>
             <a:fld id="{1FA3F48C-C7C6-4055-9F49-3777875E72AE}" type="datetimeFigureOut">
               <a:rPr lang="en-US" dirty="0"/>
-              <a:t>1/19/2020</a:t>
+              <a:t>1/27/2020</a:t>
             </a:fld>
             <a:endParaRPr lang="en-US" dirty="0"/>
           </a:p>
@@ -6656,7 +6662,7 @@
           <a:p>
             <a:fld id="{6178E61D-D431-422C-9764-11DAFE33AB63}" type="datetimeFigureOut">
               <a:rPr lang="en-US" dirty="0"/>
-              <a:t>1/19/2020</a:t>
+              <a:t>1/27/2020</a:t>
             </a:fld>
             <a:endParaRPr lang="en-US" dirty="0"/>
           </a:p>
@@ -6975,7 +6981,7 @@
           <a:p>
             <a:fld id="{12DE42F4-6EEF-4EF7-8ED4-2208F0F89A08}" type="datetimeFigureOut">
               <a:rPr lang="en-US" dirty="0"/>
-              <a:t>1/19/2020</a:t>
+              <a:t>1/27/2020</a:t>
             </a:fld>
             <a:endParaRPr lang="en-US" dirty="0"/>
           </a:p>
@@ -7359,7 +7365,7 @@
           <a:p>
             <a:fld id="{30578ACC-22D6-47C1-A373-4FD133E34F3C}" type="datetimeFigureOut">
               <a:rPr lang="en-US" dirty="0"/>
-              <a:t>1/19/2020</a:t>
+              <a:t>1/27/2020</a:t>
             </a:fld>
             <a:endParaRPr lang="en-US" dirty="0"/>
           </a:p>
@@ -7730,7 +7736,7 @@
           <a:p>
             <a:fld id="{4E5A6C69-6797-4E8A-BF37-F2C3751466E9}" type="datetimeFigureOut">
               <a:rPr lang="en-US" dirty="0"/>
-              <a:t>1/19/2020</a:t>
+              <a:t>1/27/2020</a:t>
             </a:fld>
             <a:endParaRPr lang="en-US" dirty="0"/>
           </a:p>
@@ -8231,7 +8237,7 @@
           <a:p>
             <a:fld id="{D82014A1-A632-4878-A0D3-F52BA7563730}" type="datetimeFigureOut">
               <a:rPr lang="en-US" dirty="0"/>
-              <a:t>1/19/2020</a:t>
+              <a:t>1/27/2020</a:t>
             </a:fld>
             <a:endParaRPr lang="en-US" dirty="0"/>
           </a:p>
@@ -8483,7 +8489,7 @@
           <a:p>
             <a:fld id="{CE99F462-093F-4566-844B-4C71F2739DA5}" type="datetimeFigureOut">
               <a:rPr lang="en-US" dirty="0"/>
-              <a:t>1/19/2020</a:t>
+              <a:t>1/27/2020</a:t>
             </a:fld>
             <a:endParaRPr lang="en-US" dirty="0"/>
           </a:p>
@@ -8641,7 +8647,7 @@
           <a:p>
             <a:fld id="{3D24A7AC-904D-4781-85BA-7D10C17ED021}" type="datetimeFigureOut">
               <a:rPr lang="en-US" dirty="0"/>
-              <a:t>1/19/2020</a:t>
+              <a:t>1/27/2020</a:t>
             </a:fld>
             <a:endParaRPr lang="en-US" dirty="0"/>
           </a:p>
@@ -9026,7 +9032,7 @@
           <a:p>
             <a:fld id="{E331444B-B92B-4E27-8C94-BB93EAF5CB18}" type="datetimeFigureOut">
               <a:rPr lang="en-US" dirty="0"/>
-              <a:t>1/19/2020</a:t>
+              <a:t>1/27/2020</a:t>
             </a:fld>
             <a:endParaRPr lang="en-US" dirty="0"/>
           </a:p>
@@ -9430,7 +9436,7 @@
           <a:p>
             <a:fld id="{363EFA5E-FA76-400D-B3DC-F0BA90E6D107}" type="datetimeFigureOut">
               <a:rPr lang="en-US" dirty="0"/>
-              <a:t>1/19/2020</a:t>
+              <a:t>1/27/2020</a:t>
             </a:fld>
             <a:endParaRPr lang="en-US" dirty="0"/>
           </a:p>
@@ -9669,7 +9675,7 @@
           <a:p>
             <a:fld id="{9D6E9DEC-419B-4CC5-A080-3B06BD5A8291}" type="datetimeFigureOut">
               <a:rPr lang="en-US" dirty="0"/>
-              <a:t>1/19/2020</a:t>
+              <a:t>1/27/2020</a:t>
             </a:fld>
             <a:endParaRPr lang="en-US" dirty="0"/>
           </a:p>
@@ -10255,6 +10261,94 @@
           <p:cNvPr id="2" name="Título 1">
             <a:extLst>
               <a:ext uri="{FF2B5EF4-FFF2-40B4-BE49-F238E27FC236}">
+                <a16:creationId xmlns:a16="http://schemas.microsoft.com/office/drawing/2014/main" id="{6F63879C-E3B9-4DDA-B96E-D9BBFB9B34EE}"/>
+              </a:ext>
+            </a:extLst>
+          </p:cNvPr>
+          <p:cNvSpPr>
+            <a:spLocks noGrp="1"/>
+          </p:cNvSpPr>
+          <p:nvPr>
+            <p:ph type="title"/>
+          </p:nvPr>
+        </p:nvSpPr>
+        <p:spPr/>
+        <p:txBody>
+          <a:bodyPr/>
+          <a:lstStyle/>
+          <a:p>
+            <a:r>
+              <a:rPr lang="es-EC" dirty="0"/>
+              <a:t>Resultados</a:t>
+            </a:r>
+          </a:p>
+        </p:txBody>
+      </p:sp>
+      <p:pic>
+        <p:nvPicPr>
+          <p:cNvPr id="5" name="Imagen 4">
+            <a:extLst>
+              <a:ext uri="{FF2B5EF4-FFF2-40B4-BE49-F238E27FC236}">
+                <a16:creationId xmlns:a16="http://schemas.microsoft.com/office/drawing/2014/main" id="{5CDE7FD5-BCEC-4F84-8D55-8960D2199AFE}"/>
+              </a:ext>
+            </a:extLst>
+          </p:cNvPr>
+          <p:cNvPicPr>
+            <a:picLocks noChangeAspect="1"/>
+          </p:cNvPicPr>
+          <p:nvPr/>
+        </p:nvPicPr>
+        <p:blipFill>
+          <a:blip r:embed="rId2"/>
+          <a:stretch>
+            <a:fillRect/>
+          </a:stretch>
+        </p:blipFill>
+        <p:spPr>
+          <a:xfrm>
+            <a:off x="2179337" y="2079485"/>
+            <a:ext cx="6724820" cy="4637418"/>
+          </a:xfrm>
+          <a:prstGeom prst="rect">
+            <a:avLst/>
+          </a:prstGeom>
+        </p:spPr>
+      </p:pic>
+    </p:spTree>
+    <p:extLst>
+      <p:ext uri="{BB962C8B-B14F-4D97-AF65-F5344CB8AC3E}">
+        <p14:creationId xmlns:p14="http://schemas.microsoft.com/office/powerpoint/2010/main" val="2371637896"/>
+      </p:ext>
+    </p:extLst>
+  </p:cSld>
+  <p:clrMapOvr>
+    <a:masterClrMapping/>
+  </p:clrMapOvr>
+</p:sld>
+</file>
+
+<file path=ppt/slides/slide11.xml><?xml version="1.0" encoding="utf-8"?>
+<p:sld xmlns:a="http://schemas.openxmlformats.org/drawingml/2006/main" xmlns:r="http://schemas.openxmlformats.org/officeDocument/2006/relationships" xmlns:p="http://schemas.openxmlformats.org/presentationml/2006/main">
+  <p:cSld>
+    <p:spTree>
+      <p:nvGrpSpPr>
+        <p:cNvPr id="1" name=""/>
+        <p:cNvGrpSpPr/>
+        <p:nvPr/>
+      </p:nvGrpSpPr>
+      <p:grpSpPr>
+        <a:xfrm>
+          <a:off x="0" y="0"/>
+          <a:ext cx="0" cy="0"/>
+          <a:chOff x="0" y="0"/>
+          <a:chExt cx="0" cy="0"/>
+        </a:xfrm>
+      </p:grpSpPr>
+      <p:sp>
+        <p:nvSpPr>
+          <p:cNvPr id="2" name="Título 1">
+            <a:extLst>
+              <a:ext uri="{FF2B5EF4-FFF2-40B4-BE49-F238E27FC236}">
                 <a16:creationId xmlns:a16="http://schemas.microsoft.com/office/drawing/2014/main" id="{EBE062BC-D902-4C2E-97B8-AF0715584F40}"/>
               </a:ext>
             </a:extLst>
@@ -10323,7 +10417,7 @@
 </p:sld>
 </file>
 
-<file path=ppt/slides/slide11.xml><?xml version="1.0" encoding="utf-8"?>
+<file path=ppt/slides/slide12.xml><?xml version="1.0" encoding="utf-8"?>
 <p:sld xmlns:a="http://schemas.openxmlformats.org/drawingml/2006/main" xmlns:r="http://schemas.openxmlformats.org/officeDocument/2006/relationships" xmlns:p="http://schemas.openxmlformats.org/presentationml/2006/main">
   <p:cSld>
     <p:spTree>
@@ -10718,98 +10812,59 @@
           <a:chExt cx="0" cy="0"/>
         </a:xfrm>
       </p:grpSpPr>
-      <p:sp>
-        <p:nvSpPr>
-          <p:cNvPr id="2" name="Título 1">
+      <p:pic>
+        <p:nvPicPr>
+          <p:cNvPr id="4" name="Picture 2" descr="Resultado de imagen para escala de tds">
             <a:extLst>
               <a:ext uri="{FF2B5EF4-FFF2-40B4-BE49-F238E27FC236}">
-                <a16:creationId xmlns:a16="http://schemas.microsoft.com/office/drawing/2014/main" id="{A80AF6C9-524F-4DE2-8CCF-FC84740AE790}"/>
+                <a16:creationId xmlns:a16="http://schemas.microsoft.com/office/drawing/2014/main" id="{C5BEAF8F-DA45-45DA-8B4F-48603A005A08}"/>
               </a:ext>
             </a:extLst>
           </p:cNvPr>
-          <p:cNvSpPr>
-            <a:spLocks noGrp="1"/>
-          </p:cNvSpPr>
-          <p:nvPr>
-            <p:ph type="title"/>
-          </p:nvPr>
-        </p:nvSpPr>
-        <p:spPr/>
-        <p:txBody>
-          <a:bodyPr/>
-          <a:lstStyle/>
-          <a:p>
-            <a:r>
-              <a:rPr lang="es-EC" b="1" dirty="0"/>
-              <a:t>Objetivo general</a:t>
-            </a:r>
-          </a:p>
-        </p:txBody>
-      </p:sp>
-      <p:sp>
-        <p:nvSpPr>
-          <p:cNvPr id="3" name="Marcador de contenido 2">
+          <p:cNvPicPr>
+            <a:picLocks noGrp="1" noChangeAspect="1" noChangeArrowheads="1"/>
+          </p:cNvPicPr>
+          <p:nvPr>
+            <p:ph idx="1"/>
+          </p:nvPr>
+        </p:nvPicPr>
+        <p:blipFill>
+          <a:blip r:embed="rId2">
             <a:extLst>
-              <a:ext uri="{FF2B5EF4-FFF2-40B4-BE49-F238E27FC236}">
-                <a16:creationId xmlns:a16="http://schemas.microsoft.com/office/drawing/2014/main" id="{5B2508E0-2D6A-4720-8CC3-DE6BCD6560EB}"/>
+              <a:ext uri="{28A0092B-C50C-407E-A947-70E740481C1C}">
+                <a14:useLocalDpi xmlns:a14="http://schemas.microsoft.com/office/drawing/2010/main" val="0"/>
               </a:ext>
             </a:extLst>
-          </p:cNvPr>
-          <p:cNvSpPr>
-            <a:spLocks noGrp="1"/>
-          </p:cNvSpPr>
-          <p:nvPr>
-            <p:ph idx="1"/>
-          </p:nvPr>
-        </p:nvSpPr>
-        <p:spPr>
-          <a:xfrm>
-            <a:off x="680321" y="1993692"/>
-            <a:ext cx="10772164" cy="4736892"/>
-          </a:xfrm>
-        </p:spPr>
-        <p:txBody>
-          <a:bodyPr>
-            <a:normAutofit/>
-          </a:bodyPr>
-          <a:lstStyle/>
-          <a:p>
-            <a:pPr lvl="0" algn="just"/>
-            <a:endParaRPr lang="es-EC" sz="2800" dirty="0">
-              <a:solidFill>
-                <a:schemeClr val="bg1"/>
-              </a:solidFill>
-            </a:endParaRPr>
-          </a:p>
-          <a:p>
-            <a:pPr lvl="0" algn="just"/>
-            <a:endParaRPr lang="es-EC" sz="2800" dirty="0">
-              <a:solidFill>
-                <a:schemeClr val="bg1"/>
-              </a:solidFill>
-            </a:endParaRPr>
-          </a:p>
-          <a:p>
-            <a:pPr lvl="0" algn="just"/>
-            <a:r>
-              <a:rPr lang="es-EC" sz="2800" dirty="0">
+          </a:blip>
+          <a:srcRect/>
+          <a:stretch>
+            <a:fillRect/>
+          </a:stretch>
+        </p:blipFill>
+        <p:spPr bwMode="auto">
+          <a:xfrm>
+            <a:off x="431979" y="2480331"/>
+            <a:ext cx="11328042" cy="3271113"/>
+          </a:xfrm>
+          <a:prstGeom prst="rect">
+            <a:avLst/>
+          </a:prstGeom>
+          <a:noFill/>
+          <a:extLst>
+            <a:ext uri="{909E8E84-426E-40DD-AFC4-6F175D3DCCD1}">
+              <a14:hiddenFill xmlns:a14="http://schemas.microsoft.com/office/drawing/2010/main">
                 <a:solidFill>
-                  <a:schemeClr val="bg1"/>
+                  <a:srgbClr val="FFFFFF"/>
                 </a:solidFill>
-              </a:rPr>
-              <a:t>Desarrollar un prototipo capaz de determinar la aptitud para el consumo del agua, midiendo los sólidos totales disueltos en la misma, haciendo uso de un sensor TDS y mostrando los datos en una aplicación web.</a:t>
-            </a:r>
-          </a:p>
-          <a:p>
-            <a:pPr algn="just"/>
-            <a:endParaRPr lang="es-EC" sz="2800" dirty="0"/>
-          </a:p>
-        </p:txBody>
-      </p:sp>
+              </a14:hiddenFill>
+            </a:ext>
+          </a:extLst>
+        </p:spPr>
+      </p:pic>
     </p:spTree>
     <p:extLst>
       <p:ext uri="{BB962C8B-B14F-4D97-AF65-F5344CB8AC3E}">
-        <p14:creationId xmlns:p14="http://schemas.microsoft.com/office/powerpoint/2010/main" val="203617553"/>
+        <p14:creationId xmlns:p14="http://schemas.microsoft.com/office/powerpoint/2010/main" val="1314000889"/>
       </p:ext>
     </p:extLst>
   </p:cSld>
@@ -10841,7 +10896,7 @@
           <p:cNvPr id="2" name="Título 1">
             <a:extLst>
               <a:ext uri="{FF2B5EF4-FFF2-40B4-BE49-F238E27FC236}">
-                <a16:creationId xmlns:a16="http://schemas.microsoft.com/office/drawing/2014/main" id="{52331D23-F725-4E47-B021-0C30BD5C9FC6}"/>
+                <a16:creationId xmlns:a16="http://schemas.microsoft.com/office/drawing/2014/main" id="{A80AF6C9-524F-4DE2-8CCF-FC84740AE790}"/>
               </a:ext>
             </a:extLst>
           </p:cNvPr>
@@ -10859,7 +10914,7 @@
           <a:p>
             <a:r>
               <a:rPr lang="es-EC" b="1" dirty="0"/>
-              <a:t>Objetivos específicos</a:t>
+              <a:t>Objetivo general</a:t>
             </a:r>
           </a:p>
         </p:txBody>
@@ -10869,7 +10924,7 @@
           <p:cNvPr id="3" name="Marcador de contenido 2">
             <a:extLst>
               <a:ext uri="{FF2B5EF4-FFF2-40B4-BE49-F238E27FC236}">
-                <a16:creationId xmlns:a16="http://schemas.microsoft.com/office/drawing/2014/main" id="{BD6C6F85-DA93-467E-9E70-3209A4F2F1AA}"/>
+                <a16:creationId xmlns:a16="http://schemas.microsoft.com/office/drawing/2014/main" id="{5B2508E0-2D6A-4720-8CC3-DE6BCD6560EB}"/>
               </a:ext>
             </a:extLst>
           </p:cNvPr>
@@ -10882,15 +10937,31 @@
         </p:nvSpPr>
         <p:spPr>
           <a:xfrm>
-            <a:off x="680320" y="2216950"/>
-            <a:ext cx="9613861" cy="4258799"/>
+            <a:off x="680321" y="1993692"/>
+            <a:ext cx="10772164" cy="4736892"/>
           </a:xfrm>
         </p:spPr>
         <p:txBody>
           <a:bodyPr>
-            <a:noAutofit/>
+            <a:normAutofit/>
           </a:bodyPr>
           <a:lstStyle/>
+          <a:p>
+            <a:pPr lvl="0" algn="just"/>
+            <a:endParaRPr lang="es-EC" sz="2800" dirty="0">
+              <a:solidFill>
+                <a:schemeClr val="bg1"/>
+              </a:solidFill>
+            </a:endParaRPr>
+          </a:p>
+          <a:p>
+            <a:pPr lvl="0" algn="just"/>
+            <a:endParaRPr lang="es-EC" sz="2800" dirty="0">
+              <a:solidFill>
+                <a:schemeClr val="bg1"/>
+              </a:solidFill>
+            </a:endParaRPr>
+          </a:p>
           <a:p>
             <a:pPr lvl="0" algn="just"/>
             <a:r>
@@ -10899,52 +10970,11 @@
                   <a:schemeClr val="bg1"/>
                 </a:solidFill>
               </a:rPr>
-              <a:t>Registrar en una base de datos, la cantidad de solidos totales disueltos en el agua, medidos en tiempo real.</a:t>
-            </a:r>
-          </a:p>
-          <a:p>
-            <a:pPr marL="0" lvl="0" indent="0" algn="just">
-              <a:buNone/>
-            </a:pPr>
-            <a:endParaRPr lang="es-EC" sz="2800" dirty="0">
-              <a:solidFill>
-                <a:schemeClr val="bg1"/>
-              </a:solidFill>
-            </a:endParaRPr>
-          </a:p>
-          <a:p>
-            <a:pPr lvl="0" algn="just"/>
-            <a:r>
-              <a:rPr lang="es-EC" sz="2800" dirty="0">
-                <a:solidFill>
-                  <a:schemeClr val="bg1"/>
-                </a:solidFill>
-              </a:rPr>
-              <a:t>Categorizar los sólidos totales disueltos en el agua, estimando así su calidad y aptitud para el consumo humano.</a:t>
-            </a:r>
-          </a:p>
-          <a:p>
-            <a:pPr marL="0" lvl="0" indent="0" algn="just">
-              <a:buNone/>
-            </a:pPr>
-            <a:endParaRPr lang="es-EC" sz="2800" dirty="0">
-              <a:solidFill>
-                <a:schemeClr val="bg1"/>
-              </a:solidFill>
-            </a:endParaRPr>
-          </a:p>
-          <a:p>
-            <a:pPr lvl="0" algn="just"/>
-            <a:r>
-              <a:rPr lang="es-EC" sz="2800" dirty="0">
-                <a:solidFill>
-                  <a:schemeClr val="bg1"/>
-                </a:solidFill>
-              </a:rPr>
-              <a:t>Crear una aplicación web, en la cual se muestren los registros generados, empleando gráficas para una mejor visualización de los datos a través del tiempo.</a:t>
-            </a:r>
-          </a:p>
-          <a:p>
+              <a:t>Desarrollar un prototipo capaz de determinar la aptitud para el consumo del agua, midiendo los sólidos totales disueltos en la misma, haciendo uso de un sensor TDS y mostrando los datos en una aplicación web.</a:t>
+            </a:r>
+          </a:p>
+          <a:p>
+            <a:pPr algn="just"/>
             <a:endParaRPr lang="es-EC" sz="2800" dirty="0"/>
           </a:p>
         </p:txBody>
@@ -10952,7 +10982,7 @@
     </p:spTree>
     <p:extLst>
       <p:ext uri="{BB962C8B-B14F-4D97-AF65-F5344CB8AC3E}">
-        <p14:creationId xmlns:p14="http://schemas.microsoft.com/office/powerpoint/2010/main" val="3357137950"/>
+        <p14:creationId xmlns:p14="http://schemas.microsoft.com/office/powerpoint/2010/main" val="203617553"/>
       </p:ext>
     </p:extLst>
   </p:cSld>
@@ -10984,7 +11014,7 @@
           <p:cNvPr id="2" name="Título 1">
             <a:extLst>
               <a:ext uri="{FF2B5EF4-FFF2-40B4-BE49-F238E27FC236}">
-                <a16:creationId xmlns:a16="http://schemas.microsoft.com/office/drawing/2014/main" id="{BDE11A1D-6DC9-40D0-8712-4DCC9E8547FE}"/>
+                <a16:creationId xmlns:a16="http://schemas.microsoft.com/office/drawing/2014/main" id="{52331D23-F725-4E47-B021-0C30BD5C9FC6}"/>
               </a:ext>
             </a:extLst>
           </p:cNvPr>
@@ -11002,46 +11032,100 @@
           <a:p>
             <a:r>
               <a:rPr lang="es-EC" b="1" dirty="0"/>
-              <a:t>Prototipo</a:t>
-            </a:r>
-          </a:p>
-        </p:txBody>
-      </p:sp>
-      <p:graphicFrame>
-        <p:nvGraphicFramePr>
-          <p:cNvPr id="4" name="Marcador de contenido 3">
+              <a:t>Objetivos específicos</a:t>
+            </a:r>
+          </a:p>
+        </p:txBody>
+      </p:sp>
+      <p:sp>
+        <p:nvSpPr>
+          <p:cNvPr id="3" name="Marcador de contenido 2">
             <a:extLst>
               <a:ext uri="{FF2B5EF4-FFF2-40B4-BE49-F238E27FC236}">
-                <a16:creationId xmlns:a16="http://schemas.microsoft.com/office/drawing/2014/main" id="{50A3B14C-9A2D-4C65-B33F-67A71212EE25}"/>
+                <a16:creationId xmlns:a16="http://schemas.microsoft.com/office/drawing/2014/main" id="{BD6C6F85-DA93-467E-9E70-3209A4F2F1AA}"/>
               </a:ext>
             </a:extLst>
           </p:cNvPr>
-          <p:cNvGraphicFramePr>
-            <a:graphicFrameLocks noGrp="1"/>
-          </p:cNvGraphicFramePr>
+          <p:cNvSpPr>
+            <a:spLocks noGrp="1"/>
+          </p:cNvSpPr>
           <p:nvPr>
             <p:ph idx="1"/>
-            <p:extLst>
-              <p:ext uri="{D42A27DB-BD31-4B8C-83A1-F6EECF244321}">
-                <p14:modId xmlns:p14="http://schemas.microsoft.com/office/powerpoint/2010/main" val="1355612330"/>
-              </p:ext>
-            </p:extLst>
-          </p:nvPr>
-        </p:nvGraphicFramePr>
-        <p:xfrm>
-          <a:off x="681038" y="2336800"/>
-          <a:ext cx="9613144" cy="3629285"/>
-        </p:xfrm>
-        <a:graphic>
-          <a:graphicData uri="http://schemas.openxmlformats.org/drawingml/2006/diagram">
-            <dgm:relIds xmlns:dgm="http://schemas.openxmlformats.org/drawingml/2006/diagram" xmlns:r="http://schemas.openxmlformats.org/officeDocument/2006/relationships" r:dm="rId2" r:lo="rId3" r:qs="rId4" r:cs="rId5"/>
-          </a:graphicData>
-        </a:graphic>
-      </p:graphicFrame>
+          </p:nvPr>
+        </p:nvSpPr>
+        <p:spPr>
+          <a:xfrm>
+            <a:off x="680320" y="2216950"/>
+            <a:ext cx="9613861" cy="4258799"/>
+          </a:xfrm>
+        </p:spPr>
+        <p:txBody>
+          <a:bodyPr>
+            <a:noAutofit/>
+          </a:bodyPr>
+          <a:lstStyle/>
+          <a:p>
+            <a:pPr lvl="0" algn="just"/>
+            <a:r>
+              <a:rPr lang="es-EC" sz="2800" dirty="0">
+                <a:solidFill>
+                  <a:schemeClr val="bg1"/>
+                </a:solidFill>
+              </a:rPr>
+              <a:t>Registrar en una base de datos, la cantidad de solidos totales disueltos en el agua, medidos en tiempo real.</a:t>
+            </a:r>
+          </a:p>
+          <a:p>
+            <a:pPr marL="0" lvl="0" indent="0" algn="just">
+              <a:buNone/>
+            </a:pPr>
+            <a:endParaRPr lang="es-EC" sz="2800" dirty="0">
+              <a:solidFill>
+                <a:schemeClr val="bg1"/>
+              </a:solidFill>
+            </a:endParaRPr>
+          </a:p>
+          <a:p>
+            <a:pPr lvl="0" algn="just"/>
+            <a:r>
+              <a:rPr lang="es-EC" sz="2800" dirty="0">
+                <a:solidFill>
+                  <a:schemeClr val="bg1"/>
+                </a:solidFill>
+              </a:rPr>
+              <a:t>Categorizar los sólidos totales disueltos en el agua, estimando así su calidad y aptitud para el consumo humano.</a:t>
+            </a:r>
+          </a:p>
+          <a:p>
+            <a:pPr marL="0" lvl="0" indent="0" algn="just">
+              <a:buNone/>
+            </a:pPr>
+            <a:endParaRPr lang="es-EC" sz="2800" dirty="0">
+              <a:solidFill>
+                <a:schemeClr val="bg1"/>
+              </a:solidFill>
+            </a:endParaRPr>
+          </a:p>
+          <a:p>
+            <a:pPr lvl="0" algn="just"/>
+            <a:r>
+              <a:rPr lang="es-EC" sz="2800" dirty="0">
+                <a:solidFill>
+                  <a:schemeClr val="bg1"/>
+                </a:solidFill>
+              </a:rPr>
+              <a:t>Crear una aplicación web, en la cual se muestren los registros generados, empleando gráficas para una mejor visualización de los datos a través del tiempo.</a:t>
+            </a:r>
+          </a:p>
+          <a:p>
+            <a:endParaRPr lang="es-EC" sz="2800" dirty="0"/>
+          </a:p>
+        </p:txBody>
+      </p:sp>
     </p:spTree>
     <p:extLst>
       <p:ext uri="{BB962C8B-B14F-4D97-AF65-F5344CB8AC3E}">
-        <p14:creationId xmlns:p14="http://schemas.microsoft.com/office/powerpoint/2010/main" val="3523907815"/>
+        <p14:creationId xmlns:p14="http://schemas.microsoft.com/office/powerpoint/2010/main" val="3357137950"/>
       </p:ext>
     </p:extLst>
   </p:cSld>
@@ -11073,6 +11157,95 @@
           <p:cNvPr id="2" name="Título 1">
             <a:extLst>
               <a:ext uri="{FF2B5EF4-FFF2-40B4-BE49-F238E27FC236}">
+                <a16:creationId xmlns:a16="http://schemas.microsoft.com/office/drawing/2014/main" id="{BDE11A1D-6DC9-40D0-8712-4DCC9E8547FE}"/>
+              </a:ext>
+            </a:extLst>
+          </p:cNvPr>
+          <p:cNvSpPr>
+            <a:spLocks noGrp="1"/>
+          </p:cNvSpPr>
+          <p:nvPr>
+            <p:ph type="title"/>
+          </p:nvPr>
+        </p:nvSpPr>
+        <p:spPr/>
+        <p:txBody>
+          <a:bodyPr/>
+          <a:lstStyle/>
+          <a:p>
+            <a:r>
+              <a:rPr lang="es-EC" b="1" dirty="0"/>
+              <a:t>Prototipo</a:t>
+            </a:r>
+          </a:p>
+        </p:txBody>
+      </p:sp>
+      <p:graphicFrame>
+        <p:nvGraphicFramePr>
+          <p:cNvPr id="4" name="Marcador de contenido 3">
+            <a:extLst>
+              <a:ext uri="{FF2B5EF4-FFF2-40B4-BE49-F238E27FC236}">
+                <a16:creationId xmlns:a16="http://schemas.microsoft.com/office/drawing/2014/main" id="{50A3B14C-9A2D-4C65-B33F-67A71212EE25}"/>
+              </a:ext>
+            </a:extLst>
+          </p:cNvPr>
+          <p:cNvGraphicFramePr>
+            <a:graphicFrameLocks noGrp="1"/>
+          </p:cNvGraphicFramePr>
+          <p:nvPr>
+            <p:ph idx="1"/>
+            <p:extLst>
+              <p:ext uri="{D42A27DB-BD31-4B8C-83A1-F6EECF244321}">
+                <p14:modId xmlns:p14="http://schemas.microsoft.com/office/powerpoint/2010/main" val="1355612330"/>
+              </p:ext>
+            </p:extLst>
+          </p:nvPr>
+        </p:nvGraphicFramePr>
+        <p:xfrm>
+          <a:off x="681038" y="2336800"/>
+          <a:ext cx="9613144" cy="3629285"/>
+        </p:xfrm>
+        <a:graphic>
+          <a:graphicData uri="http://schemas.openxmlformats.org/drawingml/2006/diagram">
+            <dgm:relIds xmlns:dgm="http://schemas.openxmlformats.org/drawingml/2006/diagram" xmlns:r="http://schemas.openxmlformats.org/officeDocument/2006/relationships" r:dm="rId2" r:lo="rId3" r:qs="rId4" r:cs="rId5"/>
+          </a:graphicData>
+        </a:graphic>
+      </p:graphicFrame>
+    </p:spTree>
+    <p:extLst>
+      <p:ext uri="{BB962C8B-B14F-4D97-AF65-F5344CB8AC3E}">
+        <p14:creationId xmlns:p14="http://schemas.microsoft.com/office/powerpoint/2010/main" val="3523907815"/>
+      </p:ext>
+    </p:extLst>
+  </p:cSld>
+  <p:clrMapOvr>
+    <a:masterClrMapping/>
+  </p:clrMapOvr>
+</p:sld>
+</file>
+
+<file path=ppt/slides/slide8.xml><?xml version="1.0" encoding="utf-8"?>
+<p:sld xmlns:a="http://schemas.openxmlformats.org/drawingml/2006/main" xmlns:r="http://schemas.openxmlformats.org/officeDocument/2006/relationships" xmlns:p="http://schemas.openxmlformats.org/presentationml/2006/main">
+  <p:cSld>
+    <p:spTree>
+      <p:nvGrpSpPr>
+        <p:cNvPr id="1" name=""/>
+        <p:cNvGrpSpPr/>
+        <p:nvPr/>
+      </p:nvGrpSpPr>
+      <p:grpSpPr>
+        <a:xfrm>
+          <a:off x="0" y="0"/>
+          <a:ext cx="0" cy="0"/>
+          <a:chOff x="0" y="0"/>
+          <a:chExt cx="0" cy="0"/>
+        </a:xfrm>
+      </p:grpSpPr>
+      <p:sp>
+        <p:nvSpPr>
+          <p:cNvPr id="2" name="Título 1">
+            <a:extLst>
+              <a:ext uri="{FF2B5EF4-FFF2-40B4-BE49-F238E27FC236}">
                 <a16:creationId xmlns:a16="http://schemas.microsoft.com/office/drawing/2014/main" id="{E556057B-EC82-4774-8ADF-0E58B109E151}"/>
               </a:ext>
             </a:extLst>
@@ -11136,7 +11309,7 @@
 </p:sld>
 </file>
 
-<file path=ppt/slides/slide8.xml><?xml version="1.0" encoding="utf-8"?>
+<file path=ppt/slides/slide9.xml><?xml version="1.0" encoding="utf-8"?>
 <p:sld xmlns:a="http://schemas.openxmlformats.org/drawingml/2006/main" xmlns:r="http://schemas.openxmlformats.org/officeDocument/2006/relationships" xmlns:p="http://schemas.openxmlformats.org/presentationml/2006/main">
   <p:cSld>
     <p:spTree>
@@ -11552,94 +11725,6 @@
     <p:extLst>
       <p:ext uri="{BB962C8B-B14F-4D97-AF65-F5344CB8AC3E}">
         <p14:creationId xmlns:p14="http://schemas.microsoft.com/office/powerpoint/2010/main" val="4101216915"/>
-      </p:ext>
-    </p:extLst>
-  </p:cSld>
-  <p:clrMapOvr>
-    <a:masterClrMapping/>
-  </p:clrMapOvr>
-</p:sld>
-</file>
-
-<file path=ppt/slides/slide9.xml><?xml version="1.0" encoding="utf-8"?>
-<p:sld xmlns:a="http://schemas.openxmlformats.org/drawingml/2006/main" xmlns:r="http://schemas.openxmlformats.org/officeDocument/2006/relationships" xmlns:p="http://schemas.openxmlformats.org/presentationml/2006/main">
-  <p:cSld>
-    <p:spTree>
-      <p:nvGrpSpPr>
-        <p:cNvPr id="1" name=""/>
-        <p:cNvGrpSpPr/>
-        <p:nvPr/>
-      </p:nvGrpSpPr>
-      <p:grpSpPr>
-        <a:xfrm>
-          <a:off x="0" y="0"/>
-          <a:ext cx="0" cy="0"/>
-          <a:chOff x="0" y="0"/>
-          <a:chExt cx="0" cy="0"/>
-        </a:xfrm>
-      </p:grpSpPr>
-      <p:sp>
-        <p:nvSpPr>
-          <p:cNvPr id="2" name="Título 1">
-            <a:extLst>
-              <a:ext uri="{FF2B5EF4-FFF2-40B4-BE49-F238E27FC236}">
-                <a16:creationId xmlns:a16="http://schemas.microsoft.com/office/drawing/2014/main" id="{6F63879C-E3B9-4DDA-B96E-D9BBFB9B34EE}"/>
-              </a:ext>
-            </a:extLst>
-          </p:cNvPr>
-          <p:cNvSpPr>
-            <a:spLocks noGrp="1"/>
-          </p:cNvSpPr>
-          <p:nvPr>
-            <p:ph type="title"/>
-          </p:nvPr>
-        </p:nvSpPr>
-        <p:spPr/>
-        <p:txBody>
-          <a:bodyPr/>
-          <a:lstStyle/>
-          <a:p>
-            <a:r>
-              <a:rPr lang="es-EC" dirty="0"/>
-              <a:t>Resultados</a:t>
-            </a:r>
-          </a:p>
-        </p:txBody>
-      </p:sp>
-      <p:pic>
-        <p:nvPicPr>
-          <p:cNvPr id="5" name="Imagen 4">
-            <a:extLst>
-              <a:ext uri="{FF2B5EF4-FFF2-40B4-BE49-F238E27FC236}">
-                <a16:creationId xmlns:a16="http://schemas.microsoft.com/office/drawing/2014/main" id="{5CDE7FD5-BCEC-4F84-8D55-8960D2199AFE}"/>
-              </a:ext>
-            </a:extLst>
-          </p:cNvPr>
-          <p:cNvPicPr>
-            <a:picLocks noChangeAspect="1"/>
-          </p:cNvPicPr>
-          <p:nvPr/>
-        </p:nvPicPr>
-        <p:blipFill>
-          <a:blip r:embed="rId2"/>
-          <a:stretch>
-            <a:fillRect/>
-          </a:stretch>
-        </p:blipFill>
-        <p:spPr>
-          <a:xfrm>
-            <a:off x="2179337" y="2079485"/>
-            <a:ext cx="6724820" cy="4637418"/>
-          </a:xfrm>
-          <a:prstGeom prst="rect">
-            <a:avLst/>
-          </a:prstGeom>
-        </p:spPr>
-      </p:pic>
-    </p:spTree>
-    <p:extLst>
-      <p:ext uri="{BB962C8B-B14F-4D97-AF65-F5344CB8AC3E}">
-        <p14:creationId xmlns:p14="http://schemas.microsoft.com/office/powerpoint/2010/main" val="2371637896"/>
       </p:ext>
     </p:extLst>
   </p:cSld>
